--- a/To_do_List_hariprashath.pptx
+++ b/To_do_List_hariprashath.pptx
@@ -21084,11 +21084,15 @@
               </a:spcBef>
             </a:pPr>
             <a:r>
-              <a:rPr lang="en-IN" sz="1250" b="0" strike="noStrike" spc="-1">
+              <a:rPr lang="en-IN" sz="1250" b="0" strike="noStrike" spc="-1" dirty="0">
                 <a:latin typeface="Calibri"/>
+                <a:hlinkClick r:id="rId4"/>
               </a:rPr>
               <a:t>https://github.com/prashath-hari/Full-Stack_NaanMudhalvan</a:t>
             </a:r>
+            <a:endParaRPr lang="en-IN" sz="1250" b="0" strike="noStrike" spc="-1" dirty="0">
+              <a:latin typeface="Calibri"/>
+            </a:endParaRPr>
           </a:p>
         </p:txBody>
       </p:sp>
